--- a/Examples/GroupDocs.Assembly.Examples.Java/Data/Output/Presentation Reports/out.pptx
+++ b/Examples/GroupDocs.Assembly.Examples.Java/Data/Output/Presentation Reports/out.pptx
@@ -7,11 +7,13 @@
   </p:sldMasterIdLst>
   <p:sldIdLst>
     <p:sldId id="257" r:id="rId2"/>
+    <p:sldId id="258" r:id="rId3"/>
+    <p:sldId id="259" r:id="rId4"/>
   </p:sldIdLst>
   <p:sldSz cx="12192000" cy="6858000"/>
   <p:notesSz cx="6858000" cy="9144000"/>
   <p:custDataLst>
-    <p:tags r:id="rId3"/>
+    <p:tags r:id="rId5"/>
   </p:custDataLst>
   <p:defaultTextStyle>
     <a:defPPr>
@@ -243,7 +245,7 @@
           <a:bodyPr/>
           <a:lstStyle/>
           <a:p>
-            <a:fld id="{F0DD9599-8BD2-4B3B-8219-CDC739818FEC}" type="datetimeFigureOut">
+            <a:fld id="{56F66129-919E-492C-8A1B-F160C0207E30}" type="datetimeFigureOut">
               <a:rPr lang="ru-RU" smtClean="0"/>
               <a:t>31.01.2017</a:t>
             </a:fld>
@@ -285,7 +287,7 @@
           <a:bodyPr/>
           <a:lstStyle/>
           <a:p>
-            <a:fld id="{85BAAAE6-A6EB-49A1-9055-EDD80F287142}" type="slidenum">
+            <a:fld id="{AE5BA9BA-2214-46E9-AFA9-6DBBD522CB90}" type="slidenum">
               <a:rPr lang="ru-RU" smtClean="0"/>
               <a:t>‹#›</a:t>
             </a:fld>
@@ -296,7 +298,7 @@
     </p:spTree>
     <p:extLst>
       <p:ext uri="{BB962C8B-B14F-4D97-AF65-F5344CB8AC3E}">
-        <p14:creationId xmlns:p14="http://schemas.microsoft.com/office/powerpoint/2010/main" val="2442195806"/>
+        <p14:creationId xmlns:p14="http://schemas.microsoft.com/office/powerpoint/2010/main" val="412714027"/>
       </p:ext>
     </p:extLst>
   </p:cSld>
@@ -413,7 +415,7 @@
           <a:bodyPr/>
           <a:lstStyle/>
           <a:p>
-            <a:fld id="{F0DD9599-8BD2-4B3B-8219-CDC739818FEC}" type="datetimeFigureOut">
+            <a:fld id="{56F66129-919E-492C-8A1B-F160C0207E30}" type="datetimeFigureOut">
               <a:rPr lang="ru-RU" smtClean="0"/>
               <a:t>31.01.2017</a:t>
             </a:fld>
@@ -455,7 +457,7 @@
           <a:bodyPr/>
           <a:lstStyle/>
           <a:p>
-            <a:fld id="{85BAAAE6-A6EB-49A1-9055-EDD80F287142}" type="slidenum">
+            <a:fld id="{AE5BA9BA-2214-46E9-AFA9-6DBBD522CB90}" type="slidenum">
               <a:rPr lang="ru-RU" smtClean="0"/>
               <a:t>‹#›</a:t>
             </a:fld>
@@ -466,7 +468,7 @@
     </p:spTree>
     <p:extLst>
       <p:ext uri="{BB962C8B-B14F-4D97-AF65-F5344CB8AC3E}">
-        <p14:creationId xmlns:p14="http://schemas.microsoft.com/office/powerpoint/2010/main" val="2069683524"/>
+        <p14:creationId xmlns:p14="http://schemas.microsoft.com/office/powerpoint/2010/main" val="3609513184"/>
       </p:ext>
     </p:extLst>
   </p:cSld>
@@ -593,7 +595,7 @@
           <a:bodyPr/>
           <a:lstStyle/>
           <a:p>
-            <a:fld id="{F0DD9599-8BD2-4B3B-8219-CDC739818FEC}" type="datetimeFigureOut">
+            <a:fld id="{56F66129-919E-492C-8A1B-F160C0207E30}" type="datetimeFigureOut">
               <a:rPr lang="ru-RU" smtClean="0"/>
               <a:t>31.01.2017</a:t>
             </a:fld>
@@ -635,7 +637,7 @@
           <a:bodyPr/>
           <a:lstStyle/>
           <a:p>
-            <a:fld id="{85BAAAE6-A6EB-49A1-9055-EDD80F287142}" type="slidenum">
+            <a:fld id="{AE5BA9BA-2214-46E9-AFA9-6DBBD522CB90}" type="slidenum">
               <a:rPr lang="ru-RU" smtClean="0"/>
               <a:t>‹#›</a:t>
             </a:fld>
@@ -646,7 +648,7 @@
     </p:spTree>
     <p:extLst>
       <p:ext uri="{BB962C8B-B14F-4D97-AF65-F5344CB8AC3E}">
-        <p14:creationId xmlns:p14="http://schemas.microsoft.com/office/powerpoint/2010/main" val="3803972330"/>
+        <p14:creationId xmlns:p14="http://schemas.microsoft.com/office/powerpoint/2010/main" val="3292951286"/>
       </p:ext>
     </p:extLst>
   </p:cSld>
@@ -763,7 +765,7 @@
           <a:bodyPr/>
           <a:lstStyle/>
           <a:p>
-            <a:fld id="{F0DD9599-8BD2-4B3B-8219-CDC739818FEC}" type="datetimeFigureOut">
+            <a:fld id="{56F66129-919E-492C-8A1B-F160C0207E30}" type="datetimeFigureOut">
               <a:rPr lang="ru-RU" smtClean="0"/>
               <a:t>31.01.2017</a:t>
             </a:fld>
@@ -805,7 +807,7 @@
           <a:bodyPr/>
           <a:lstStyle/>
           <a:p>
-            <a:fld id="{85BAAAE6-A6EB-49A1-9055-EDD80F287142}" type="slidenum">
+            <a:fld id="{AE5BA9BA-2214-46E9-AFA9-6DBBD522CB90}" type="slidenum">
               <a:rPr lang="ru-RU" smtClean="0"/>
               <a:t>‹#›</a:t>
             </a:fld>
@@ -816,7 +818,7 @@
     </p:spTree>
     <p:extLst>
       <p:ext uri="{BB962C8B-B14F-4D97-AF65-F5344CB8AC3E}">
-        <p14:creationId xmlns:p14="http://schemas.microsoft.com/office/powerpoint/2010/main" val="3429261291"/>
+        <p14:creationId xmlns:p14="http://schemas.microsoft.com/office/powerpoint/2010/main" val="1308402175"/>
       </p:ext>
     </p:extLst>
   </p:cSld>
@@ -1009,7 +1011,7 @@
           <a:bodyPr/>
           <a:lstStyle/>
           <a:p>
-            <a:fld id="{F0DD9599-8BD2-4B3B-8219-CDC739818FEC}" type="datetimeFigureOut">
+            <a:fld id="{56F66129-919E-492C-8A1B-F160C0207E30}" type="datetimeFigureOut">
               <a:rPr lang="ru-RU" smtClean="0"/>
               <a:t>31.01.2017</a:t>
             </a:fld>
@@ -1051,7 +1053,7 @@
           <a:bodyPr/>
           <a:lstStyle/>
           <a:p>
-            <a:fld id="{85BAAAE6-A6EB-49A1-9055-EDD80F287142}" type="slidenum">
+            <a:fld id="{AE5BA9BA-2214-46E9-AFA9-6DBBD522CB90}" type="slidenum">
               <a:rPr lang="ru-RU" smtClean="0"/>
               <a:t>‹#›</a:t>
             </a:fld>
@@ -1062,7 +1064,7 @@
     </p:spTree>
     <p:extLst>
       <p:ext uri="{BB962C8B-B14F-4D97-AF65-F5344CB8AC3E}">
-        <p14:creationId xmlns:p14="http://schemas.microsoft.com/office/powerpoint/2010/main" val="4259052402"/>
+        <p14:creationId xmlns:p14="http://schemas.microsoft.com/office/powerpoint/2010/main" val="3449766676"/>
       </p:ext>
     </p:extLst>
   </p:cSld>
@@ -1241,7 +1243,7 @@
           <a:bodyPr/>
           <a:lstStyle/>
           <a:p>
-            <a:fld id="{F0DD9599-8BD2-4B3B-8219-CDC739818FEC}" type="datetimeFigureOut">
+            <a:fld id="{56F66129-919E-492C-8A1B-F160C0207E30}" type="datetimeFigureOut">
               <a:rPr lang="ru-RU" smtClean="0"/>
               <a:t>31.01.2017</a:t>
             </a:fld>
@@ -1283,7 +1285,7 @@
           <a:bodyPr/>
           <a:lstStyle/>
           <a:p>
-            <a:fld id="{85BAAAE6-A6EB-49A1-9055-EDD80F287142}" type="slidenum">
+            <a:fld id="{AE5BA9BA-2214-46E9-AFA9-6DBBD522CB90}" type="slidenum">
               <a:rPr lang="ru-RU" smtClean="0"/>
               <a:t>‹#›</a:t>
             </a:fld>
@@ -1294,7 +1296,7 @@
     </p:spTree>
     <p:extLst>
       <p:ext uri="{BB962C8B-B14F-4D97-AF65-F5344CB8AC3E}">
-        <p14:creationId xmlns:p14="http://schemas.microsoft.com/office/powerpoint/2010/main" val="2227444474"/>
+        <p14:creationId xmlns:p14="http://schemas.microsoft.com/office/powerpoint/2010/main" val="2319896305"/>
       </p:ext>
     </p:extLst>
   </p:cSld>
@@ -1608,7 +1610,7 @@
           <a:bodyPr/>
           <a:lstStyle/>
           <a:p>
-            <a:fld id="{F0DD9599-8BD2-4B3B-8219-CDC739818FEC}" type="datetimeFigureOut">
+            <a:fld id="{56F66129-919E-492C-8A1B-F160C0207E30}" type="datetimeFigureOut">
               <a:rPr lang="ru-RU" smtClean="0"/>
               <a:t>31.01.2017</a:t>
             </a:fld>
@@ -1650,7 +1652,7 @@
           <a:bodyPr/>
           <a:lstStyle/>
           <a:p>
-            <a:fld id="{85BAAAE6-A6EB-49A1-9055-EDD80F287142}" type="slidenum">
+            <a:fld id="{AE5BA9BA-2214-46E9-AFA9-6DBBD522CB90}" type="slidenum">
               <a:rPr lang="ru-RU" smtClean="0"/>
               <a:t>‹#›</a:t>
             </a:fld>
@@ -1661,7 +1663,7 @@
     </p:spTree>
     <p:extLst>
       <p:ext uri="{BB962C8B-B14F-4D97-AF65-F5344CB8AC3E}">
-        <p14:creationId xmlns:p14="http://schemas.microsoft.com/office/powerpoint/2010/main" val="3733394388"/>
+        <p14:creationId xmlns:p14="http://schemas.microsoft.com/office/powerpoint/2010/main" val="980928067"/>
       </p:ext>
     </p:extLst>
   </p:cSld>
@@ -1726,7 +1728,7 @@
           <a:bodyPr/>
           <a:lstStyle/>
           <a:p>
-            <a:fld id="{F0DD9599-8BD2-4B3B-8219-CDC739818FEC}" type="datetimeFigureOut">
+            <a:fld id="{56F66129-919E-492C-8A1B-F160C0207E30}" type="datetimeFigureOut">
               <a:rPr lang="ru-RU" smtClean="0"/>
               <a:t>31.01.2017</a:t>
             </a:fld>
@@ -1768,7 +1770,7 @@
           <a:bodyPr/>
           <a:lstStyle/>
           <a:p>
-            <a:fld id="{85BAAAE6-A6EB-49A1-9055-EDD80F287142}" type="slidenum">
+            <a:fld id="{AE5BA9BA-2214-46E9-AFA9-6DBBD522CB90}" type="slidenum">
               <a:rPr lang="ru-RU" smtClean="0"/>
               <a:t>‹#›</a:t>
             </a:fld>
@@ -1779,7 +1781,7 @@
     </p:spTree>
     <p:extLst>
       <p:ext uri="{BB962C8B-B14F-4D97-AF65-F5344CB8AC3E}">
-        <p14:creationId xmlns:p14="http://schemas.microsoft.com/office/powerpoint/2010/main" val="2198323959"/>
+        <p14:creationId xmlns:p14="http://schemas.microsoft.com/office/powerpoint/2010/main" val="1423978720"/>
       </p:ext>
     </p:extLst>
   </p:cSld>
@@ -1821,7 +1823,7 @@
           <a:bodyPr/>
           <a:lstStyle/>
           <a:p>
-            <a:fld id="{F0DD9599-8BD2-4B3B-8219-CDC739818FEC}" type="datetimeFigureOut">
+            <a:fld id="{56F66129-919E-492C-8A1B-F160C0207E30}" type="datetimeFigureOut">
               <a:rPr lang="ru-RU" smtClean="0"/>
               <a:t>31.01.2017</a:t>
             </a:fld>
@@ -1863,7 +1865,7 @@
           <a:bodyPr/>
           <a:lstStyle/>
           <a:p>
-            <a:fld id="{85BAAAE6-A6EB-49A1-9055-EDD80F287142}" type="slidenum">
+            <a:fld id="{AE5BA9BA-2214-46E9-AFA9-6DBBD522CB90}" type="slidenum">
               <a:rPr lang="ru-RU" smtClean="0"/>
               <a:t>‹#›</a:t>
             </a:fld>
@@ -1874,7 +1876,7 @@
     </p:spTree>
     <p:extLst>
       <p:ext uri="{BB962C8B-B14F-4D97-AF65-F5344CB8AC3E}">
-        <p14:creationId xmlns:p14="http://schemas.microsoft.com/office/powerpoint/2010/main" val="1627945591"/>
+        <p14:creationId xmlns:p14="http://schemas.microsoft.com/office/powerpoint/2010/main" val="2819177761"/>
       </p:ext>
     </p:extLst>
   </p:cSld>
@@ -2098,7 +2100,7 @@
           <a:bodyPr/>
           <a:lstStyle/>
           <a:p>
-            <a:fld id="{F0DD9599-8BD2-4B3B-8219-CDC739818FEC}" type="datetimeFigureOut">
+            <a:fld id="{56F66129-919E-492C-8A1B-F160C0207E30}" type="datetimeFigureOut">
               <a:rPr lang="ru-RU" smtClean="0"/>
               <a:t>31.01.2017</a:t>
             </a:fld>
@@ -2140,7 +2142,7 @@
           <a:bodyPr/>
           <a:lstStyle/>
           <a:p>
-            <a:fld id="{85BAAAE6-A6EB-49A1-9055-EDD80F287142}" type="slidenum">
+            <a:fld id="{AE5BA9BA-2214-46E9-AFA9-6DBBD522CB90}" type="slidenum">
               <a:rPr lang="ru-RU" smtClean="0"/>
               <a:t>‹#›</a:t>
             </a:fld>
@@ -2151,7 +2153,7 @@
     </p:spTree>
     <p:extLst>
       <p:ext uri="{BB962C8B-B14F-4D97-AF65-F5344CB8AC3E}">
-        <p14:creationId xmlns:p14="http://schemas.microsoft.com/office/powerpoint/2010/main" val="3719105415"/>
+        <p14:creationId xmlns:p14="http://schemas.microsoft.com/office/powerpoint/2010/main" val="1958066189"/>
       </p:ext>
     </p:extLst>
   </p:cSld>
@@ -2351,7 +2353,7 @@
           <a:bodyPr/>
           <a:lstStyle/>
           <a:p>
-            <a:fld id="{F0DD9599-8BD2-4B3B-8219-CDC739818FEC}" type="datetimeFigureOut">
+            <a:fld id="{56F66129-919E-492C-8A1B-F160C0207E30}" type="datetimeFigureOut">
               <a:rPr lang="ru-RU" smtClean="0"/>
               <a:t>31.01.2017</a:t>
             </a:fld>
@@ -2393,7 +2395,7 @@
           <a:bodyPr/>
           <a:lstStyle/>
           <a:p>
-            <a:fld id="{85BAAAE6-A6EB-49A1-9055-EDD80F287142}" type="slidenum">
+            <a:fld id="{AE5BA9BA-2214-46E9-AFA9-6DBBD522CB90}" type="slidenum">
               <a:rPr lang="ru-RU" smtClean="0"/>
               <a:t>‹#›</a:t>
             </a:fld>
@@ -2404,7 +2406,7 @@
     </p:spTree>
     <p:extLst>
       <p:ext uri="{BB962C8B-B14F-4D97-AF65-F5344CB8AC3E}">
-        <p14:creationId xmlns:p14="http://schemas.microsoft.com/office/powerpoint/2010/main" val="1002766403"/>
+        <p14:creationId xmlns:p14="http://schemas.microsoft.com/office/powerpoint/2010/main" val="1143043476"/>
       </p:ext>
     </p:extLst>
   </p:cSld>
@@ -2564,7 +2566,7 @@
             </a:lvl1pPr>
           </a:lstStyle>
           <a:p>
-            <a:fld id="{F0DD9599-8BD2-4B3B-8219-CDC739818FEC}" type="datetimeFigureOut">
+            <a:fld id="{56F66129-919E-492C-8A1B-F160C0207E30}" type="datetimeFigureOut">
               <a:rPr lang="ru-RU" smtClean="0"/>
               <a:t>31.01.2017</a:t>
             </a:fld>
@@ -2642,7 +2644,7 @@
             </a:lvl1pPr>
           </a:lstStyle>
           <a:p>
-            <a:fld id="{85BAAAE6-A6EB-49A1-9055-EDD80F287142}" type="slidenum">
+            <a:fld id="{AE5BA9BA-2214-46E9-AFA9-6DBBD522CB90}" type="slidenum">
               <a:rPr lang="ru-RU" smtClean="0"/>
               <a:t>‹#›</a:t>
             </a:fld>
@@ -2653,7 +2655,7 @@
     </p:spTree>
     <p:extLst>
       <p:ext uri="{BB962C8B-B14F-4D97-AF65-F5344CB8AC3E}">
-        <p14:creationId xmlns:p14="http://schemas.microsoft.com/office/powerpoint/2010/main" val="2240827916"/>
+        <p14:creationId xmlns:p14="http://schemas.microsoft.com/office/powerpoint/2010/main" val="2623157108"/>
       </p:ext>
     </p:extLst>
   </p:cSld>
@@ -2988,7 +2990,7 @@
           <a:p>
             <a:r>
               <a:rPr lang="en-US" smtClean="0"/>
-              <a:t>Managers</a:t>
+              <a:t>Planets</a:t>
             </a:r>
             <a:endParaRPr lang="ru-RU"/>
           </a:p>
@@ -3004,14 +3006,14 @@
             <p:ph idx="1"/>
             <p:extLst>
               <p:ext uri="{D42A27DB-BD31-4B8C-83A1-F6EECF244321}">
-                <p14:modId xmlns:p14="http://schemas.microsoft.com/office/powerpoint/2010/main" val="1495386773"/>
+                <p14:modId xmlns:p14="http://schemas.microsoft.com/office/powerpoint/2010/main" val="4074141132"/>
               </p:ext>
             </p:extLst>
           </p:nvPr>
         </p:nvGraphicFramePr>
         <p:xfrm>
           <a:off x="838200" y="1825625"/>
-          <a:ext cx="10515600" cy="2595880"/>
+          <a:ext cx="10515600" cy="1112520"/>
         </p:xfrm>
         <a:graphic>
           <a:graphicData uri="http://schemas.openxmlformats.org/drawingml/2006/table">
@@ -3031,7 +3033,7 @@
                     <a:p>
                       <a:r>
                         <a:rPr lang="en-US" smtClean="0"/>
-                        <a:t>Manager</a:t>
+                        <a:t>Planet</a:t>
                       </a:r>
                       <a:endParaRPr lang="ru-RU"/>
                     </a:p>
@@ -3045,7 +3047,7 @@
                     <a:p>
                       <a:r>
                         <a:rPr lang="en-US" smtClean="0"/>
-                        <a:t>Total Contract Price</a:t>
+                        <a:t>Number</a:t>
                       </a:r>
                       <a:endParaRPr lang="ru-RU"/>
                     </a:p>
@@ -3061,7 +3063,7 @@
                     <a:p>
                       <a:r>
                         <a:rPr lang="en-US" smtClean="0"/>
-                        <a:t>John Smith</a:t>
+                        <a:t>Earth</a:t>
                       </a:r>
                       <a:endParaRPr lang="ru-RU"/>
                     </a:p>
@@ -3075,7 +3077,7 @@
                     <a:p>
                       <a:r>
                         <a:rPr lang="en-US" smtClean="0"/>
-                        <a:t>2300000.0</a:t>
+                        <a:t>3</a:t>
                       </a:r>
                       <a:endParaRPr lang="ru-RU"/>
                     </a:p>
@@ -3091,7 +3093,7 @@
                     <a:p>
                       <a:r>
                         <a:rPr lang="en-US" smtClean="0"/>
-                        <a:t>Tony Anderson</a:t>
+                        <a:t>Mars</a:t>
                       </a:r>
                       <a:endParaRPr lang="ru-RU"/>
                     </a:p>
@@ -3105,7 +3107,123 @@
                     <a:p>
                       <a:r>
                         <a:rPr lang="en-US" smtClean="0"/>
-                        <a:t>1200000.0</a:t>
+                        <a:t>4</a:t>
+                      </a:r>
+                      <a:endParaRPr lang="ru-RU"/>
+                    </a:p>
+                  </a:txBody>
+                  <a:tcPr/>
+                </a:tc>
+              </a:tr>
+            </a:tbl>
+          </a:graphicData>
+        </a:graphic>
+      </p:graphicFrame>
+    </p:spTree>
+    <p:extLst>
+      <p:ext uri="{BB962C8B-B14F-4D97-AF65-F5344CB8AC3E}">
+        <p14:creationId xmlns:p14="http://schemas.microsoft.com/office/powerpoint/2010/main" val="4283038382"/>
+      </p:ext>
+    </p:extLst>
+  </p:cSld>
+  <p:clrMapOvr>
+    <a:masterClrMapping/>
+  </p:clrMapOvr>
+  <p:transition/>
+  <p:timing/>
+</p:sld>
+</file>
+
+<file path=ppt/slides/slide2.xml><?xml version="1.0" encoding="utf-8"?>
+<p:sld xmlns:a="http://schemas.openxmlformats.org/drawingml/2006/main" xmlns:r="http://schemas.openxmlformats.org/officeDocument/2006/relationships" xmlns:p14="http://schemas.microsoft.com/office/powerpoint/2010/main" xmlns:p15="http://schemas.microsoft.com/office/powerpoint/2012/main" xmlns:p="http://schemas.openxmlformats.org/presentationml/2006/main">
+  <p:cSld>
+    <p:spTree>
+      <p:nvGrpSpPr>
+        <p:cNvPr id="1" name=""/>
+        <p:cNvGrpSpPr/>
+        <p:nvPr/>
+      </p:nvGrpSpPr>
+      <p:grpSpPr>
+        <a:xfrm>
+          <a:off x="0" y="0"/>
+          <a:ext cx="0" cy="0"/>
+        </a:xfrm>
+      </p:grpSpPr>
+      <p:sp>
+        <p:nvSpPr>
+          <p:cNvPr id="2" name="Title 1"/>
+          <p:cNvSpPr>
+            <a:spLocks noGrp="1"/>
+          </p:cNvSpPr>
+          <p:nvPr>
+            <p:ph type="title"/>
+          </p:nvPr>
+        </p:nvSpPr>
+        <p:spPr/>
+        <p:txBody>
+          <a:bodyPr/>
+          <a:lstStyle/>
+          <a:p>
+            <a:r>
+              <a:rPr lang="en-US" smtClean="0"/>
+              <a:t>Persons</a:t>
+            </a:r>
+            <a:endParaRPr lang="ru-RU"/>
+          </a:p>
+        </p:txBody>
+      </p:sp>
+      <p:graphicFrame>
+        <p:nvGraphicFramePr>
+          <p:cNvPr id="4" name="Content Placeholder 3"/>
+          <p:cNvGraphicFramePr>
+            <a:graphicFrameLocks noGrp="1"/>
+          </p:cNvGraphicFramePr>
+          <p:nvPr>
+            <p:ph idx="1"/>
+            <p:extLst>
+              <p:ext uri="{D42A27DB-BD31-4B8C-83A1-F6EECF244321}">
+                <p14:modId xmlns:p14="http://schemas.microsoft.com/office/powerpoint/2010/main" val="3324645714"/>
+              </p:ext>
+            </p:extLst>
+          </p:nvPr>
+        </p:nvGraphicFramePr>
+        <p:xfrm>
+          <a:off x="838200" y="1825625"/>
+          <a:ext cx="10515600" cy="1483360"/>
+        </p:xfrm>
+        <a:graphic>
+          <a:graphicData uri="http://schemas.openxmlformats.org/drawingml/2006/table">
+            <a:tbl>
+              <a:tblPr firstRow="1" bandRow="1">
+                <a:tableStyleId>{5C22544A-7EE6-4342-B048-85BDC9FD1C3A}</a:tableStyleId>
+              </a:tblPr>
+              <a:tblGrid>
+                <a:gridCol w="5257800"/>
+                <a:gridCol w="5257800"/>
+              </a:tblGrid>
+              <a:tr h="370840">
+                <a:tc>
+                  <a:txBody>
+                    <a:bodyPr/>
+                    <a:lstStyle/>
+                    <a:p>
+                      <a:r>
+                        <a:rPr lang="en-US" smtClean="0"/>
+                        <a:t>First Name</a:t>
+                      </a:r>
+                      <a:endParaRPr lang="ru-RU"/>
+                    </a:p>
+                  </a:txBody>
+                  <a:tcPr/>
+                </a:tc>
+                <a:tc>
+                  <a:txBody>
+                    <a:bodyPr/>
+                    <a:lstStyle/>
+                    <a:p>
+                      <a:r>
+                        <a:rPr lang="en-US" smtClean="0"/>
+                        <a:t>Last Name</a:t>
                       </a:r>
                       <a:endParaRPr lang="ru-RU"/>
                     </a:p>
@@ -3121,7 +3239,7 @@
                     <a:p>
                       <a:r>
                         <a:rPr lang="en-US" smtClean="0"/>
-                        <a:t>July James</a:t>
+                        <a:t>John</a:t>
                       </a:r>
                       <a:endParaRPr lang="ru-RU"/>
                     </a:p>
@@ -3135,7 +3253,7 @@
                     <a:p>
                       <a:r>
                         <a:rPr lang="en-US" smtClean="0"/>
-                        <a:t>800000.0</a:t>
+                        <a:t>Doe</a:t>
                       </a:r>
                       <a:endParaRPr lang="ru-RU"/>
                     </a:p>
@@ -3151,7 +3269,7 @@
                     <a:p>
                       <a:r>
                         <a:rPr lang="en-US" smtClean="0"/>
-                        <a:t>Sally Sue</a:t>
+                        <a:t>Jane</a:t>
                       </a:r>
                       <a:endParaRPr lang="ru-RU"/>
                     </a:p>
@@ -3165,7 +3283,7 @@
                     <a:p>
                       <a:r>
                         <a:rPr lang="en-US" smtClean="0"/>
-                        <a:t>750000.0</a:t>
+                        <a:t>Doe</a:t>
                       </a:r>
                       <a:endParaRPr lang="ru-RU"/>
                     </a:p>
@@ -3181,7 +3299,7 @@
                     <a:p>
                       <a:r>
                         <a:rPr lang="en-US" smtClean="0"/>
-                        <a:t>Mike Gonzalez</a:t>
+                        <a:t>John</a:t>
                       </a:r>
                       <a:endParaRPr lang="ru-RU"/>
                     </a:p>
@@ -3195,7 +3313,123 @@
                     <a:p>
                       <a:r>
                         <a:rPr lang="en-US" smtClean="0"/>
-                        <a:t>650000.0</a:t>
+                        <a:t>Smith</a:t>
+                      </a:r>
+                      <a:endParaRPr lang="ru-RU"/>
+                    </a:p>
+                  </a:txBody>
+                  <a:tcPr/>
+                </a:tc>
+              </a:tr>
+            </a:tbl>
+          </a:graphicData>
+        </a:graphic>
+      </p:graphicFrame>
+    </p:spTree>
+    <p:extLst>
+      <p:ext uri="{BB962C8B-B14F-4D97-AF65-F5344CB8AC3E}">
+        <p14:creationId xmlns:p14="http://schemas.microsoft.com/office/powerpoint/2010/main" val="1879868098"/>
+      </p:ext>
+    </p:extLst>
+  </p:cSld>
+  <p:clrMapOvr>
+    <a:masterClrMapping/>
+  </p:clrMapOvr>
+  <p:transition/>
+  <p:timing/>
+</p:sld>
+</file>
+
+<file path=ppt/slides/slide3.xml><?xml version="1.0" encoding="utf-8"?>
+<p:sld xmlns:a="http://schemas.openxmlformats.org/drawingml/2006/main" xmlns:r="http://schemas.openxmlformats.org/officeDocument/2006/relationships" xmlns:p14="http://schemas.microsoft.com/office/powerpoint/2010/main" xmlns:p15="http://schemas.microsoft.com/office/powerpoint/2012/main" xmlns:p="http://schemas.openxmlformats.org/presentationml/2006/main">
+  <p:cSld>
+    <p:spTree>
+      <p:nvGrpSpPr>
+        <p:cNvPr id="1" name=""/>
+        <p:cNvGrpSpPr/>
+        <p:nvPr/>
+      </p:nvGrpSpPr>
+      <p:grpSpPr>
+        <a:xfrm>
+          <a:off x="0" y="0"/>
+          <a:ext cx="0" cy="0"/>
+        </a:xfrm>
+      </p:grpSpPr>
+      <p:sp>
+        <p:nvSpPr>
+          <p:cNvPr id="2" name="Title 1"/>
+          <p:cNvSpPr>
+            <a:spLocks noGrp="1"/>
+          </p:cNvSpPr>
+          <p:nvPr>
+            <p:ph type="title"/>
+          </p:nvPr>
+        </p:nvSpPr>
+        <p:spPr/>
+        <p:txBody>
+          <a:bodyPr/>
+          <a:lstStyle/>
+          <a:p>
+            <a:r>
+              <a:rPr lang="en-US" smtClean="0"/>
+              <a:t>Companies</a:t>
+            </a:r>
+            <a:endParaRPr lang="ru-RU"/>
+          </a:p>
+        </p:txBody>
+      </p:sp>
+      <p:graphicFrame>
+        <p:nvGraphicFramePr>
+          <p:cNvPr id="4" name="Content Placeholder 3"/>
+          <p:cNvGraphicFramePr>
+            <a:graphicFrameLocks noGrp="1"/>
+          </p:cNvGraphicFramePr>
+          <p:nvPr>
+            <p:ph idx="1"/>
+            <p:extLst>
+              <p:ext uri="{D42A27DB-BD31-4B8C-83A1-F6EECF244321}">
+                <p14:modId xmlns:p14="http://schemas.microsoft.com/office/powerpoint/2010/main" val="4252013662"/>
+              </p:ext>
+            </p:extLst>
+          </p:nvPr>
+        </p:nvGraphicFramePr>
+        <p:xfrm>
+          <a:off x="838200" y="1825625"/>
+          <a:ext cx="10515600" cy="1112520"/>
+        </p:xfrm>
+        <a:graphic>
+          <a:graphicData uri="http://schemas.openxmlformats.org/drawingml/2006/table">
+            <a:tbl>
+              <a:tblPr firstRow="1" bandRow="1">
+                <a:tableStyleId>{5C22544A-7EE6-4342-B048-85BDC9FD1C3A}</a:tableStyleId>
+              </a:tblPr>
+              <a:tblGrid>
+                <a:gridCol w="5257800"/>
+                <a:gridCol w="5257800"/>
+              </a:tblGrid>
+              <a:tr h="370840">
+                <a:tc>
+                  <a:txBody>
+                    <a:bodyPr/>
+                    <a:lstStyle/>
+                    <a:p>
+                      <a:r>
+                        <a:rPr lang="en-US" smtClean="0"/>
+                        <a:t>Company</a:t>
+                      </a:r>
+                      <a:endParaRPr lang="ru-RU"/>
+                    </a:p>
+                  </a:txBody>
+                  <a:tcPr/>
+                </a:tc>
+                <a:tc>
+                  <a:txBody>
+                    <a:bodyPr/>
+                    <a:lstStyle/>
+                    <a:p>
+                      <a:r>
+                        <a:rPr lang="en-US" smtClean="0"/>
+                        <a:t>Address</a:t>
                       </a:r>
                       <a:endParaRPr lang="ru-RU"/>
                     </a:p>
@@ -3211,7 +3445,7 @@
                     <a:p>
                       <a:r>
                         <a:rPr lang="en-US" smtClean="0"/>
-                        <a:t>Total:</a:t>
+                        <a:t>A Company</a:t>
                       </a:r>
                       <a:endParaRPr lang="ru-RU"/>
                     </a:p>
@@ -3225,7 +3459,37 @@
                     <a:p>
                       <a:r>
                         <a:rPr lang="en-US" smtClean="0"/>
-                        <a:t>5700000.0</a:t>
+                        <a:t>Address A</a:t>
+                      </a:r>
+                      <a:endParaRPr lang="ru-RU"/>
+                    </a:p>
+                  </a:txBody>
+                  <a:tcPr/>
+                </a:tc>
+              </a:tr>
+              <a:tr h="370840">
+                <a:tc>
+                  <a:txBody>
+                    <a:bodyPr/>
+                    <a:lstStyle/>
+                    <a:p>
+                      <a:r>
+                        <a:rPr lang="en-US" smtClean="0"/>
+                        <a:t>B Ltd.</a:t>
+                      </a:r>
+                      <a:endParaRPr lang="ru-RU"/>
+                    </a:p>
+                  </a:txBody>
+                  <a:tcPr/>
+                </a:tc>
+                <a:tc>
+                  <a:txBody>
+                    <a:bodyPr/>
+                    <a:lstStyle/>
+                    <a:p>
+                      <a:r>
+                        <a:rPr lang="en-US" smtClean="0"/>
+                        <a:t>Address B</a:t>
                       </a:r>
                       <a:endParaRPr lang="ru-RU"/>
                     </a:p>
@@ -3240,7 +3504,7 @@
     </p:spTree>
     <p:extLst>
       <p:ext uri="{BB962C8B-B14F-4D97-AF65-F5344CB8AC3E}">
-        <p14:creationId xmlns:p14="http://schemas.microsoft.com/office/powerpoint/2010/main" val="915137232"/>
+        <p14:creationId xmlns:p14="http://schemas.microsoft.com/office/powerpoint/2010/main" val="601769983"/>
       </p:ext>
     </p:extLst>
   </p:cSld>
